--- a/SegmentTree.pptx
+++ b/SegmentTree.pptx
@@ -4560,7 +4560,7 @@
         <p:spPr>
           <a:xfrm>
             <a:off x="395536" y="3935958"/>
-            <a:ext cx="8280920" cy="1077218"/>
+            <a:ext cx="8280920" cy="1569660"/>
           </a:xfrm>
           <a:prstGeom prst="rect">
             <a:avLst/>
@@ -4630,20 +4630,34 @@
               </a:rPr>
               <a:t>:</a:t>
             </a:r>
-            <a:endParaRPr lang="en-US" sz="3200" dirty="0" smtClean="0">
-              <a:solidFill>
-                <a:schemeClr val="bg1"/>
-              </a:solidFill>
-            </a:endParaRPr>
-          </a:p>
-          <a:p>
+          </a:p>
+          <a:p>
+            <a:r>
+              <a:rPr lang="en-US" sz="3200" dirty="0" smtClean="0">
+                <a:solidFill>
+                  <a:schemeClr val="bg1"/>
+                </a:solidFill>
+                <a:hlinkClick r:id="rId2"/>
+              </a:rPr>
+              <a:t>https</a:t>
+            </a:r>
             <a:r>
               <a:rPr lang="en-US" sz="3200" dirty="0">
                 <a:solidFill>
                   <a:schemeClr val="bg1"/>
                 </a:solidFill>
-              </a:rPr>
-              <a:t>https://github.com/M-erl-iN/TimSortAiSDTask</a:t>
+                <a:hlinkClick r:id="rId2"/>
+              </a:rPr>
+              <a:t>://</a:t>
+            </a:r>
+            <a:r>
+              <a:rPr lang="en-US" sz="3200" dirty="0" smtClean="0">
+                <a:solidFill>
+                  <a:schemeClr val="bg1"/>
+                </a:solidFill>
+                <a:hlinkClick r:id="rId2"/>
+              </a:rPr>
+              <a:t>github.com/M-erl-iN/SegmentTreeAiSDTask</a:t>
             </a:r>
             <a:endParaRPr lang="en-US" sz="3200" dirty="0" smtClean="0">
               <a:solidFill>
